--- a/img/logo.pptx
+++ b/img/logo.pptx
@@ -2950,6 +2950,36 @@
       </p:grpSpPr>
       <p:pic>
         <p:nvPicPr>
+          <p:cNvPr id="6" name="Picture 5">
+            <a:extLst>
+              <a:ext uri="{FF2B5EF4-FFF2-40B4-BE49-F238E27FC236}">
+                <a16:creationId xmlns:a16="http://schemas.microsoft.com/office/drawing/2014/main" id="{64BED2B8-C024-C641-A7E2-B4BA2DD25766}"/>
+              </a:ext>
+            </a:extLst>
+          </p:cNvPr>
+          <p:cNvPicPr>
+            <a:picLocks noChangeAspect="1"/>
+          </p:cNvPicPr>
+          <p:nvPr/>
+        </p:nvPicPr>
+        <p:blipFill>
+          <a:blip r:embed="rId2"/>
+          <a:stretch>
+            <a:fillRect/>
+          </a:stretch>
+        </p:blipFill>
+        <p:spPr>
+          <a:xfrm>
+            <a:off x="5715207" y="1095135"/>
+            <a:ext cx="3810000" cy="3810000"/>
+          </a:xfrm>
+          <a:prstGeom prst="rect">
+            <a:avLst/>
+          </a:prstGeom>
+        </p:spPr>
+      </p:pic>
+      <p:pic>
+        <p:nvPicPr>
           <p:cNvPr id="32" name="Picture 31">
             <a:extLst>
               <a:ext uri="{FF2B5EF4-FFF2-40B4-BE49-F238E27FC236}">
@@ -2963,7 +2993,7 @@
           <p:nvPr/>
         </p:nvPicPr>
         <p:blipFill>
-          <a:blip r:embed="rId2">
+          <a:blip r:embed="rId3">
             <a:biLevel thresh="75000"/>
           </a:blip>
           <a:stretch>
@@ -2974,35 +3004,6 @@
           <a:xfrm>
             <a:off x="2776214" y="1576733"/>
             <a:ext cx="2510747" cy="2434664"/>
-          </a:xfrm>
-          <a:prstGeom prst="rect">
-            <a:avLst/>
-          </a:prstGeom>
-        </p:spPr>
-      </p:pic>
-      <p:pic>
-        <p:nvPicPr>
-          <p:cNvPr id="31" name="Picture 30">
-            <a:extLst>
-              <a:ext uri="{FF2B5EF4-FFF2-40B4-BE49-F238E27FC236}">
-                <a16:creationId xmlns:a16="http://schemas.microsoft.com/office/drawing/2014/main" id="{6D8D2AD1-68DA-7E47-95E6-7425B7F2E7A8}"/>
-              </a:ext>
-            </a:extLst>
-          </p:cNvPr>
-          <p:cNvPicPr>
-            <a:picLocks noChangeAspect="1"/>
-          </p:cNvPicPr>
-          <p:nvPr/>
-        </p:nvPicPr>
-        <p:blipFill rotWithShape="1">
-          <a:blip r:embed="rId3"/>
-          <a:srcRect l="19729" t="19140" r="18722" b="26236"/>
-          <a:stretch/>
-        </p:blipFill>
-        <p:spPr>
-          <a:xfrm rot="11700000">
-            <a:off x="6071667" y="1664015"/>
-            <a:ext cx="2834168" cy="2716524"/>
           </a:xfrm>
           <a:prstGeom prst="rect">
             <a:avLst/>
